--- a/00硬件/03格陆博/EPB功能介绍20060507.pptx
+++ b/00硬件/03格陆博/EPB功能介绍20060507.pptx
@@ -252,7 +252,7 @@
           <a:p>
             <a:fld id="{C25D7784-1134-47BB-8A61-576D341F9861}" type="datetimeFigureOut">
               <a:rPr lang="zh-CN" altLang="en-US" smtClean="0"/>
-              <a:t>2016/5/7</a:t>
+              <a:t>2018/3/30</a:t>
             </a:fld>
             <a:endParaRPr lang="zh-CN" altLang="en-US"/>
           </a:p>
@@ -417,7 +417,7 @@
           <a:p>
             <a:fld id="{3EDFDBAE-44ED-4D0A-B86B-921ED66F7A49}" type="datetimeFigureOut">
               <a:rPr lang="zh-CN" altLang="en-US" smtClean="0"/>
-              <a:t>2016/5/7</a:t>
+              <a:t>2018/3/30</a:t>
             </a:fld>
             <a:endParaRPr lang="zh-CN" altLang="en-US"/>
           </a:p>
@@ -10345,7 +10345,7 @@
           <a:graphicData uri="http://schemas.openxmlformats.org/presentationml/2006/ole">
             <mc:AlternateContent xmlns:mc="http://schemas.openxmlformats.org/markup-compatibility/2006">
               <mc:Choice xmlns:v="urn:schemas-microsoft-com:vml" Requires="v">
-                <p:oleObj spid="_x0000_s10260" name="Visio" r:id="rId3" imgW="4588459" imgH="3118714" progId="Visio.Drawing.11">
+                <p:oleObj spid="_x0000_s10263" name="Visio" r:id="rId3" imgW="4588459" imgH="3118714" progId="Visio.Drawing.11">
                   <p:embed/>
                 </p:oleObj>
               </mc:Choice>
@@ -10388,27 +10388,7 @@
                         <a:noFill/>
                       </a:ln>
                       <a:effectLst/>
-                      <a:extLst>
-                        <a:ext uri="{91240B29-F687-4F45-9708-019B960494DF}">
-                          <a14:hiddenLine xmlns:a14="http://schemas.microsoft.com/office/drawing/2010/main" w="9525">
-                            <a:solidFill>
-                              <a:srgbClr val="000000"/>
-                            </a:solidFill>
-                            <a:miter lim="800000"/>
-                            <a:headEnd/>
-                            <a:tailEnd/>
-                          </a14:hiddenLine>
-                        </a:ext>
-                        <a:ext uri="{AF507438-7753-43E0-B8FC-AC1667EBCBE1}">
-                          <a14:hiddenEffects xmlns:a14="http://schemas.microsoft.com/office/drawing/2010/main">
-                            <a:effectLst>
-                              <a:outerShdw dist="35921" dir="2700000" algn="ctr" rotWithShape="0">
-                                <a:srgbClr val="808080"/>
-                              </a:outerShdw>
-                            </a:effectLst>
-                          </a14:hiddenEffects>
-                        </a:ext>
-                      </a:extLst>
+                      <a:extLst/>
                     </p:spPr>
                   </p:pic>
                 </p:oleObj>
@@ -10483,6 +10463,231 @@
           </a:p>
         </p:txBody>
       </p:sp>
+      <p:sp>
+        <p:nvSpPr>
+          <p:cNvPr id="2" name="TextBox 1"/>
+          <p:cNvSpPr txBox="1"/>
+          <p:nvPr/>
+        </p:nvSpPr>
+        <p:spPr>
+          <a:xfrm>
+            <a:off x="451747" y="3203781"/>
+            <a:ext cx="1877437" cy="461665"/>
+          </a:xfrm>
+          <a:prstGeom prst="rect">
+            <a:avLst/>
+          </a:prstGeom>
+          <a:noFill/>
+        </p:spPr>
+        <p:txBody>
+          <a:bodyPr wrap="none" rtlCol="0">
+            <a:spAutoFit/>
+          </a:bodyPr>
+          <a:lstStyle/>
+          <a:p>
+            <a:r>
+              <a:rPr lang="zh-CN" altLang="en-US" sz="1200" dirty="0" smtClean="0">
+                <a:solidFill>
+                  <a:srgbClr val="FF0000"/>
+                </a:solidFill>
+              </a:rPr>
+              <a:t>手动和线控都能起作用，</a:t>
+            </a:r>
+            <a:endParaRPr lang="en-US" altLang="zh-CN" sz="1200" dirty="0" smtClean="0">
+              <a:solidFill>
+                <a:srgbClr val="FF0000"/>
+              </a:solidFill>
+            </a:endParaRPr>
+          </a:p>
+          <a:p>
+            <a:r>
+              <a:rPr lang="zh-CN" altLang="en-US" sz="1200" dirty="0" smtClean="0">
+                <a:solidFill>
+                  <a:srgbClr val="FF0000"/>
+                </a:solidFill>
+              </a:rPr>
+              <a:t>并且手动优先级高于线控</a:t>
+            </a:r>
+            <a:endParaRPr lang="zh-CN" altLang="en-US" sz="1200" dirty="0">
+              <a:solidFill>
+                <a:srgbClr val="FF0000"/>
+              </a:solidFill>
+            </a:endParaRPr>
+          </a:p>
+        </p:txBody>
+      </p:sp>
+      <p:cxnSp>
+        <p:nvCxnSpPr>
+          <p:cNvPr id="4" name="直接箭头连接符 3"/>
+          <p:cNvCxnSpPr>
+            <a:stCxn id="2" idx="2"/>
+            <a:endCxn id="13" idx="2"/>
+          </p:cNvCxnSpPr>
+          <p:nvPr/>
+        </p:nvCxnSpPr>
+        <p:spPr>
+          <a:xfrm>
+            <a:off x="1390466" y="3665446"/>
+            <a:ext cx="2893502" cy="51586"/>
+          </a:xfrm>
+          <a:prstGeom prst="straightConnector1">
+            <a:avLst/>
+          </a:prstGeom>
+          <a:ln>
+            <a:solidFill>
+              <a:srgbClr val="FF0000"/>
+            </a:solidFill>
+            <a:headEnd type="none" w="med" len="med"/>
+            <a:tailEnd type="triangle" w="med" len="med"/>
+          </a:ln>
+        </p:spPr>
+        <p:style>
+          <a:lnRef idx="1">
+            <a:schemeClr val="accent1"/>
+          </a:lnRef>
+          <a:fillRef idx="0">
+            <a:schemeClr val="accent1"/>
+          </a:fillRef>
+          <a:effectRef idx="0">
+            <a:schemeClr val="accent1"/>
+          </a:effectRef>
+          <a:fontRef idx="minor">
+            <a:schemeClr val="tx1"/>
+          </a:fontRef>
+        </p:style>
+      </p:cxnSp>
+      <p:sp>
+        <p:nvSpPr>
+          <p:cNvPr id="6" name="椭圆 5"/>
+          <p:cNvSpPr/>
+          <p:nvPr/>
+        </p:nvSpPr>
+        <p:spPr>
+          <a:xfrm>
+            <a:off x="2699792" y="3861048"/>
+            <a:ext cx="792088" cy="288032"/>
+          </a:xfrm>
+          <a:prstGeom prst="ellipse">
+            <a:avLst/>
+          </a:prstGeom>
+          <a:noFill/>
+          <a:ln>
+            <a:solidFill>
+              <a:srgbClr val="FF0000"/>
+            </a:solidFill>
+          </a:ln>
+        </p:spPr>
+        <p:style>
+          <a:lnRef idx="2">
+            <a:schemeClr val="accent1">
+              <a:shade val="50000"/>
+            </a:schemeClr>
+          </a:lnRef>
+          <a:fillRef idx="1">
+            <a:schemeClr val="accent1"/>
+          </a:fillRef>
+          <a:effectRef idx="0">
+            <a:schemeClr val="accent1"/>
+          </a:effectRef>
+          <a:fontRef idx="minor">
+            <a:schemeClr val="lt1"/>
+          </a:fontRef>
+        </p:style>
+        <p:txBody>
+          <a:bodyPr rtlCol="0" anchor="ctr"/>
+          <a:lstStyle/>
+          <a:p>
+            <a:pPr algn="ctr"/>
+            <a:endParaRPr lang="zh-CN" altLang="en-US"/>
+          </a:p>
+        </p:txBody>
+      </p:sp>
+      <p:sp>
+        <p:nvSpPr>
+          <p:cNvPr id="13" name="椭圆 12"/>
+          <p:cNvSpPr/>
+          <p:nvPr/>
+        </p:nvSpPr>
+        <p:spPr>
+          <a:xfrm>
+            <a:off x="4283968" y="3573016"/>
+            <a:ext cx="792088" cy="288032"/>
+          </a:xfrm>
+          <a:prstGeom prst="ellipse">
+            <a:avLst/>
+          </a:prstGeom>
+          <a:noFill/>
+          <a:ln>
+            <a:solidFill>
+              <a:srgbClr val="FF0000"/>
+            </a:solidFill>
+          </a:ln>
+        </p:spPr>
+        <p:style>
+          <a:lnRef idx="2">
+            <a:schemeClr val="accent1">
+              <a:shade val="50000"/>
+            </a:schemeClr>
+          </a:lnRef>
+          <a:fillRef idx="1">
+            <a:schemeClr val="accent1"/>
+          </a:fillRef>
+          <a:effectRef idx="0">
+            <a:schemeClr val="accent1"/>
+          </a:effectRef>
+          <a:fontRef idx="minor">
+            <a:schemeClr val="lt1"/>
+          </a:fontRef>
+        </p:style>
+        <p:txBody>
+          <a:bodyPr rtlCol="0" anchor="ctr"/>
+          <a:lstStyle/>
+          <a:p>
+            <a:pPr algn="ctr"/>
+            <a:endParaRPr lang="zh-CN" altLang="en-US"/>
+          </a:p>
+        </p:txBody>
+      </p:sp>
+      <p:cxnSp>
+        <p:nvCxnSpPr>
+          <p:cNvPr id="15" name="直接箭头连接符 14"/>
+          <p:cNvCxnSpPr>
+            <a:stCxn id="2" idx="2"/>
+            <a:endCxn id="6" idx="2"/>
+          </p:cNvCxnSpPr>
+          <p:nvPr/>
+        </p:nvCxnSpPr>
+        <p:spPr>
+          <a:xfrm>
+            <a:off x="1390466" y="3665446"/>
+            <a:ext cx="1309326" cy="339618"/>
+          </a:xfrm>
+          <a:prstGeom prst="straightConnector1">
+            <a:avLst/>
+          </a:prstGeom>
+          <a:ln>
+            <a:solidFill>
+              <a:srgbClr val="FF0000"/>
+            </a:solidFill>
+            <a:headEnd type="none" w="med" len="med"/>
+            <a:tailEnd type="triangle" w="med" len="med"/>
+          </a:ln>
+        </p:spPr>
+        <p:style>
+          <a:lnRef idx="1">
+            <a:schemeClr val="accent1"/>
+          </a:lnRef>
+          <a:fillRef idx="0">
+            <a:schemeClr val="accent1"/>
+          </a:fillRef>
+          <a:effectRef idx="0">
+            <a:schemeClr val="accent1"/>
+          </a:effectRef>
+          <a:fontRef idx="minor">
+            <a:schemeClr val="tx1"/>
+          </a:fontRef>
+        </p:style>
+      </p:cxnSp>
     </p:spTree>
   </p:cSld>
   <p:clrMapOvr>
@@ -14367,7 +14572,7 @@
           <a:graphicData uri="http://schemas.openxmlformats.org/presentationml/2006/ole">
             <mc:AlternateContent xmlns:mc="http://schemas.openxmlformats.org/markup-compatibility/2006">
               <mc:Choice xmlns:v="urn:schemas-microsoft-com:vml" Requires="v">
-                <p:oleObj spid="_x0000_s12321" name="Visio" r:id="rId4" imgW="859536" imgH="1219505" progId="Visio.Drawing.11">
+                <p:oleObj spid="_x0000_s12324" name="Visio" r:id="rId4" imgW="859536" imgH="1219505" progId="Visio.Drawing.11">
                   <p:embed/>
                 </p:oleObj>
               </mc:Choice>
@@ -15938,7 +16143,7 @@
           <a:graphicData uri="http://schemas.openxmlformats.org/presentationml/2006/ole">
             <mc:AlternateContent xmlns:mc="http://schemas.openxmlformats.org/markup-compatibility/2006">
               <mc:Choice xmlns:v="urn:schemas-microsoft-com:vml" Requires="v">
-                <p:oleObj spid="_x0000_s13345" name="Visio" r:id="rId4" imgW="859536" imgH="1669694" progId="Visio.Drawing.11">
+                <p:oleObj spid="_x0000_s13348" name="Visio" r:id="rId4" imgW="859536" imgH="1669694" progId="Visio.Drawing.11">
                   <p:embed/>
                 </p:oleObj>
               </mc:Choice>
@@ -16887,7 +17092,7 @@
           <a:graphicData uri="http://schemas.openxmlformats.org/presentationml/2006/ole">
             <mc:AlternateContent xmlns:mc="http://schemas.openxmlformats.org/markup-compatibility/2006">
               <mc:Choice xmlns:v="urn:schemas-microsoft-com:vml" Requires="v">
-                <p:oleObj spid="_x0000_s14359" name="Visio" r:id="rId4" imgW="859536" imgH="1660550" progId="Visio.Drawing.11">
+                <p:oleObj spid="_x0000_s14362" name="Visio" r:id="rId4" imgW="859536" imgH="1660550" progId="Visio.Drawing.11">
                   <p:embed/>
                 </p:oleObj>
               </mc:Choice>
@@ -18516,7 +18721,7 @@
           <a:graphicData uri="http://schemas.openxmlformats.org/presentationml/2006/ole">
             <mc:AlternateContent xmlns:mc="http://schemas.openxmlformats.org/markup-compatibility/2006">
               <mc:Choice xmlns:v="urn:schemas-microsoft-com:vml" Requires="v">
-                <p:oleObj spid="_x0000_s16404" name="Visio" r:id="rId3" imgW="4900803" imgH="3382518" progId="Visio.Drawing.11">
+                <p:oleObj spid="_x0000_s16407" name="Visio" r:id="rId3" imgW="4900803" imgH="3382518" progId="Visio.Drawing.11">
                   <p:embed/>
                 </p:oleObj>
               </mc:Choice>
@@ -18811,7 +19016,7 @@
           <a:graphicData uri="http://schemas.openxmlformats.org/presentationml/2006/ole">
             <mc:AlternateContent xmlns:mc="http://schemas.openxmlformats.org/markup-compatibility/2006">
               <mc:Choice xmlns:v="urn:schemas-microsoft-com:vml" Requires="v">
-                <p:oleObj spid="_x0000_s17429" name="Visio" r:id="rId3" imgW="3583305" imgH="3083814" progId="Visio.Drawing.11">
+                <p:oleObj spid="_x0000_s17432" name="Visio" r:id="rId3" imgW="3583305" imgH="3083814" progId="Visio.Drawing.11">
                   <p:embed/>
                 </p:oleObj>
               </mc:Choice>
@@ -20770,7 +20975,7 @@
           <a:graphicData uri="http://schemas.openxmlformats.org/presentationml/2006/ole">
             <mc:AlternateContent xmlns:mc="http://schemas.openxmlformats.org/markup-compatibility/2006">
               <mc:Choice xmlns:v="urn:schemas-microsoft-com:vml" Requires="v">
-                <p:oleObj spid="_x0000_s18466" name="Visio" r:id="rId4" imgW="2182673" imgH="3091586" progId="Visio.Drawing.11">
+                <p:oleObj spid="_x0000_s18469" name="Visio" r:id="rId4" imgW="2182673" imgH="3091586" progId="Visio.Drawing.11">
                   <p:embed/>
                 </p:oleObj>
               </mc:Choice>
@@ -21028,21 +21233,7 @@
                 <a:latin typeface="微软雅黑" panose="020B0503020204020204" pitchFamily="34" charset="-122"/>
                 <a:ea typeface="微软雅黑" panose="020B0503020204020204" pitchFamily="34" charset="-122"/>
               </a:rPr>
-              <a:t>格</a:t>
-            </a:r>
-            <a:r>
-              <a:rPr lang="zh-CN" altLang="en-US" dirty="0" smtClean="0">
-                <a:latin typeface="微软雅黑" panose="020B0503020204020204" pitchFamily="34" charset="-122"/>
-                <a:ea typeface="微软雅黑" panose="020B0503020204020204" pitchFamily="34" charset="-122"/>
-              </a:rPr>
-              <a:t>陆博科技有限公司，目前主要</a:t>
-            </a:r>
-            <a:r>
-              <a:rPr lang="zh-CN" altLang="en-US" dirty="0" smtClean="0">
-                <a:latin typeface="微软雅黑" panose="020B0503020204020204" pitchFamily="34" charset="-122"/>
-                <a:ea typeface="微软雅黑" panose="020B0503020204020204" pitchFamily="34" charset="-122"/>
-              </a:rPr>
-              <a:t>产品：</a:t>
+              <a:t>格陆博科技有限公司，目前主要产品：</a:t>
             </a:r>
             <a:endParaRPr lang="zh-CN" altLang="en-US" dirty="0">
               <a:latin typeface="微软雅黑" panose="020B0503020204020204" pitchFamily="34" charset="-122"/>
